--- a/wpf-tutorial.pptx
+++ b/wpf-tutorial.pptx
@@ -5,7 +5,7 @@
     <p:sldMasterId id="2147483648" r:id="rId1"/>
   </p:sldMasterIdLst>
   <p:notesMasterIdLst>
-    <p:notesMasterId r:id="rId18"/>
+    <p:notesMasterId r:id="rId20"/>
   </p:notesMasterIdLst>
   <p:sldIdLst>
     <p:sldId id="256" r:id="rId2"/>
@@ -21,9 +21,11 @@
     <p:sldId id="262" r:id="rId12"/>
     <p:sldId id="269" r:id="rId13"/>
     <p:sldId id="271" r:id="rId14"/>
-    <p:sldId id="265" r:id="rId15"/>
-    <p:sldId id="266" r:id="rId16"/>
-    <p:sldId id="272" r:id="rId17"/>
+    <p:sldId id="266" r:id="rId15"/>
+    <p:sldId id="273" r:id="rId16"/>
+    <p:sldId id="274" r:id="rId17"/>
+    <p:sldId id="272" r:id="rId18"/>
+    <p:sldId id="265" r:id="rId19"/>
   </p:sldIdLst>
   <p:sldSz cx="12192000" cy="6858000"/>
   <p:notesSz cx="6858000" cy="9144000"/>
@@ -14888,7 +14890,7 @@
           <p:cNvPr id="2" name="Titolo 1">
             <a:extLst>
               <a:ext uri="{FF2B5EF4-FFF2-40B4-BE49-F238E27FC236}">
-                <a16:creationId xmlns:a16="http://schemas.microsoft.com/office/drawing/2014/main" id="{7E5FB7CF-0370-4DBB-A8A6-0FF39D8BD062}"/>
+                <a16:creationId xmlns:a16="http://schemas.microsoft.com/office/drawing/2014/main" id="{005CC239-DD14-41A9-806B-7C61BC5CA352}"/>
               </a:ext>
             </a:extLst>
           </p:cNvPr>
@@ -14899,76 +14901,69 @@
             <p:ph type="title"/>
           </p:nvPr>
         </p:nvSpPr>
-        <p:spPr>
-          <a:xfrm>
-            <a:off x="838200" y="365125"/>
-            <a:ext cx="10515600" cy="1325563"/>
-          </a:xfrm>
-        </p:spPr>
+        <p:spPr/>
         <p:txBody>
           <a:bodyPr/>
           <a:lstStyle/>
           <a:p>
             <a:r>
               <a:rPr lang="it-IT" dirty="0"/>
-              <a:t>EVENTI</a:t>
+              <a:t>Controls</a:t>
             </a:r>
           </a:p>
         </p:txBody>
       </p:sp>
-      <p:pic>
-        <p:nvPicPr>
-          <p:cNvPr id="1026" name="Picture 2">
+      <p:sp>
+        <p:nvSpPr>
+          <p:cNvPr id="3" name="Segnaposto contenuto 2">
             <a:extLst>
               <a:ext uri="{FF2B5EF4-FFF2-40B4-BE49-F238E27FC236}">
-                <a16:creationId xmlns:a16="http://schemas.microsoft.com/office/drawing/2014/main" id="{F829CA3D-743B-41F8-8CE5-58C993509FB9}"/>
+                <a16:creationId xmlns:a16="http://schemas.microsoft.com/office/drawing/2014/main" id="{DCCE7FD2-BE7D-4313-A0B6-53B1DD5B3CD7}"/>
               </a:ext>
             </a:extLst>
           </p:cNvPr>
-          <p:cNvPicPr>
-            <a:picLocks noGrp="1" noChangeAspect="1" noChangeArrowheads="1"/>
-          </p:cNvPicPr>
+          <p:cNvSpPr>
+            <a:spLocks noGrp="1"/>
+          </p:cNvSpPr>
           <p:nvPr>
             <p:ph idx="1"/>
           </p:nvPr>
-        </p:nvPicPr>
-        <p:blipFill>
-          <a:blip r:embed="rId2">
-            <a:extLst>
-              <a:ext uri="{28A0092B-C50C-407E-A947-70E740481C1C}">
-                <a14:useLocalDpi xmlns:a14="http://schemas.microsoft.com/office/drawing/2010/main" val="0"/>
-              </a:ext>
-            </a:extLst>
-          </a:blip>
-          <a:srcRect/>
-          <a:stretch>
-            <a:fillRect/>
-          </a:stretch>
-        </p:blipFill>
-        <p:spPr bwMode="auto">
-          <a:xfrm>
-            <a:off x="1225750" y="3020602"/>
-            <a:ext cx="9987080" cy="1981932"/>
-          </a:xfrm>
-          <a:prstGeom prst="rect">
-            <a:avLst/>
-          </a:prstGeom>
-          <a:noFill/>
-          <a:extLst>
-            <a:ext uri="{909E8E84-426E-40DD-AFC4-6F175D3DCCD1}">
-              <a14:hiddenFill xmlns:a14="http://schemas.microsoft.com/office/drawing/2010/main">
-                <a:solidFill>
-                  <a:srgbClr val="FFFFFF"/>
-                </a:solidFill>
-              </a14:hiddenFill>
-            </a:ext>
-          </a:extLst>
-        </p:spPr>
-      </p:pic>
+        </p:nvSpPr>
+        <p:spPr/>
+        <p:txBody>
+          <a:bodyPr/>
+          <a:lstStyle/>
+          <a:p>
+            <a:r>
+              <a:rPr lang="it-IT" dirty="0" err="1"/>
+              <a:t>Type</a:t>
+            </a:r>
+            <a:r>
+              <a:rPr lang="it-IT" dirty="0"/>
+              <a:t> of Window</a:t>
+            </a:r>
+          </a:p>
+          <a:p>
+            <a:r>
+              <a:rPr lang="it-IT" dirty="0"/>
+              <a:t>Layout containers</a:t>
+            </a:r>
+          </a:p>
+          <a:p>
+            <a:endParaRPr lang="it-IT" dirty="0"/>
+          </a:p>
+          <a:p>
+            <a:endParaRPr lang="it-IT" dirty="0"/>
+          </a:p>
+          <a:p>
+            <a:endParaRPr lang="it-IT" dirty="0"/>
+          </a:p>
+        </p:txBody>
+      </p:sp>
     </p:spTree>
     <p:extLst>
       <p:ext uri="{BB962C8B-B14F-4D97-AF65-F5344CB8AC3E}">
-        <p14:creationId xmlns:p14="http://schemas.microsoft.com/office/powerpoint/2010/main" val="2775535805"/>
+        <p14:creationId xmlns:p14="http://schemas.microsoft.com/office/powerpoint/2010/main" val="765273587"/>
       </p:ext>
     </p:extLst>
   </p:cSld>
@@ -15000,7 +14995,7 @@
           <p:cNvPr id="2" name="Titolo 1">
             <a:extLst>
               <a:ext uri="{FF2B5EF4-FFF2-40B4-BE49-F238E27FC236}">
-                <a16:creationId xmlns:a16="http://schemas.microsoft.com/office/drawing/2014/main" id="{005CC239-DD14-41A9-806B-7C61BC5CA352}"/>
+                <a16:creationId xmlns:a16="http://schemas.microsoft.com/office/drawing/2014/main" id="{DAEDE66C-5FCC-4E39-9270-264824FF7244}"/>
               </a:ext>
             </a:extLst>
           </p:cNvPr>
@@ -15017,8 +15012,12 @@
           <a:lstStyle/>
           <a:p>
             <a:r>
+              <a:rPr lang="it-IT" dirty="0" err="1"/>
+              <a:t>Type</a:t>
+            </a:r>
+            <a:r>
               <a:rPr lang="it-IT" dirty="0"/>
-              <a:t>Controls</a:t>
+              <a:t> of Windows</a:t>
             </a:r>
           </a:p>
         </p:txBody>
@@ -15028,7 +15027,7 @@
           <p:cNvPr id="3" name="Segnaposto contenuto 2">
             <a:extLst>
               <a:ext uri="{FF2B5EF4-FFF2-40B4-BE49-F238E27FC236}">
-                <a16:creationId xmlns:a16="http://schemas.microsoft.com/office/drawing/2014/main" id="{DCCE7FD2-BE7D-4313-A0B6-53B1DD5B3CD7}"/>
+                <a16:creationId xmlns:a16="http://schemas.microsoft.com/office/drawing/2014/main" id="{41E8B31B-D40A-49B5-BDBE-4E56E6ACF262}"/>
               </a:ext>
             </a:extLst>
           </p:cNvPr>
@@ -15044,36 +15043,14 @@
           <a:bodyPr/>
           <a:lstStyle/>
           <a:p>
-            <a:r>
-              <a:rPr lang="it-IT" dirty="0" err="1"/>
-              <a:t>Type</a:t>
-            </a:r>
-            <a:r>
-              <a:rPr lang="it-IT" dirty="0"/>
-              <a:t> of Window</a:t>
-            </a:r>
-          </a:p>
-          <a:p>
-            <a:r>
-              <a:rPr lang="it-IT" dirty="0"/>
-              <a:t>Layout containers</a:t>
-            </a:r>
-          </a:p>
-          <a:p>
-            <a:endParaRPr lang="it-IT" dirty="0"/>
-          </a:p>
-          <a:p>
-            <a:endParaRPr lang="it-IT" dirty="0"/>
-          </a:p>
-          <a:p>
-            <a:endParaRPr lang="it-IT" dirty="0"/>
+            <a:endParaRPr lang="it-IT"/>
           </a:p>
         </p:txBody>
       </p:sp>
     </p:spTree>
     <p:extLst>
       <p:ext uri="{BB962C8B-B14F-4D97-AF65-F5344CB8AC3E}">
-        <p14:creationId xmlns:p14="http://schemas.microsoft.com/office/powerpoint/2010/main" val="765273587"/>
+        <p14:creationId xmlns:p14="http://schemas.microsoft.com/office/powerpoint/2010/main" val="2748269311"/>
       </p:ext>
     </p:extLst>
   </p:cSld>
@@ -15084,6 +15061,89 @@
 </file>
 
 <file path=ppt/slides/slide16.xml><?xml version="1.0" encoding="utf-8"?>
+<p:sld xmlns:a="http://schemas.openxmlformats.org/drawingml/2006/main" xmlns:r="http://schemas.openxmlformats.org/officeDocument/2006/relationships" xmlns:p="http://schemas.openxmlformats.org/presentationml/2006/main">
+  <p:cSld>
+    <p:spTree>
+      <p:nvGrpSpPr>
+        <p:cNvPr id="1" name=""/>
+        <p:cNvGrpSpPr/>
+        <p:nvPr/>
+      </p:nvGrpSpPr>
+      <p:grpSpPr>
+        <a:xfrm>
+          <a:off x="0" y="0"/>
+          <a:ext cx="0" cy="0"/>
+          <a:chOff x="0" y="0"/>
+          <a:chExt cx="0" cy="0"/>
+        </a:xfrm>
+      </p:grpSpPr>
+      <p:sp>
+        <p:nvSpPr>
+          <p:cNvPr id="2" name="Titolo 1">
+            <a:extLst>
+              <a:ext uri="{FF2B5EF4-FFF2-40B4-BE49-F238E27FC236}">
+                <a16:creationId xmlns:a16="http://schemas.microsoft.com/office/drawing/2014/main" id="{DAEDE66C-5FCC-4E39-9270-264824FF7244}"/>
+              </a:ext>
+            </a:extLst>
+          </p:cNvPr>
+          <p:cNvSpPr>
+            <a:spLocks noGrp="1"/>
+          </p:cNvSpPr>
+          <p:nvPr>
+            <p:ph type="title"/>
+          </p:nvPr>
+        </p:nvSpPr>
+        <p:spPr/>
+        <p:txBody>
+          <a:bodyPr/>
+          <a:lstStyle/>
+          <a:p>
+            <a:r>
+              <a:rPr lang="it-IT" dirty="0"/>
+              <a:t>Layout containers</a:t>
+            </a:r>
+          </a:p>
+        </p:txBody>
+      </p:sp>
+      <p:sp>
+        <p:nvSpPr>
+          <p:cNvPr id="3" name="Segnaposto contenuto 2">
+            <a:extLst>
+              <a:ext uri="{FF2B5EF4-FFF2-40B4-BE49-F238E27FC236}">
+                <a16:creationId xmlns:a16="http://schemas.microsoft.com/office/drawing/2014/main" id="{41E8B31B-D40A-49B5-BDBE-4E56E6ACF262}"/>
+              </a:ext>
+            </a:extLst>
+          </p:cNvPr>
+          <p:cNvSpPr>
+            <a:spLocks noGrp="1"/>
+          </p:cNvSpPr>
+          <p:nvPr>
+            <p:ph idx="1"/>
+          </p:nvPr>
+        </p:nvSpPr>
+        <p:spPr/>
+        <p:txBody>
+          <a:bodyPr/>
+          <a:lstStyle/>
+          <a:p>
+            <a:endParaRPr lang="it-IT"/>
+          </a:p>
+        </p:txBody>
+      </p:sp>
+    </p:spTree>
+    <p:extLst>
+      <p:ext uri="{BB962C8B-B14F-4D97-AF65-F5344CB8AC3E}">
+        <p14:creationId xmlns:p14="http://schemas.microsoft.com/office/powerpoint/2010/main" val="1158127399"/>
+      </p:ext>
+    </p:extLst>
+  </p:cSld>
+  <p:clrMapOvr>
+    <a:masterClrMapping/>
+  </p:clrMapOvr>
+</p:sld>
+</file>
+
+<file path=ppt/slides/slide17.xml><?xml version="1.0" encoding="utf-8"?>
 <p:sld xmlns:a="http://schemas.openxmlformats.org/drawingml/2006/main" xmlns:r="http://schemas.openxmlformats.org/officeDocument/2006/relationships" xmlns:p="http://schemas.openxmlformats.org/presentationml/2006/main">
   <p:cSld>
     <p:bg>
@@ -15916,6 +15976,118 @@
 </p:sld>
 </file>
 
+<file path=ppt/slides/slide18.xml><?xml version="1.0" encoding="utf-8"?>
+<p:sld xmlns:a="http://schemas.openxmlformats.org/drawingml/2006/main" xmlns:r="http://schemas.openxmlformats.org/officeDocument/2006/relationships" xmlns:p="http://schemas.openxmlformats.org/presentationml/2006/main">
+  <p:cSld>
+    <p:spTree>
+      <p:nvGrpSpPr>
+        <p:cNvPr id="1" name=""/>
+        <p:cNvGrpSpPr/>
+        <p:nvPr/>
+      </p:nvGrpSpPr>
+      <p:grpSpPr>
+        <a:xfrm>
+          <a:off x="0" y="0"/>
+          <a:ext cx="0" cy="0"/>
+          <a:chOff x="0" y="0"/>
+          <a:chExt cx="0" cy="0"/>
+        </a:xfrm>
+      </p:grpSpPr>
+      <p:sp>
+        <p:nvSpPr>
+          <p:cNvPr id="2" name="Titolo 1">
+            <a:extLst>
+              <a:ext uri="{FF2B5EF4-FFF2-40B4-BE49-F238E27FC236}">
+                <a16:creationId xmlns:a16="http://schemas.microsoft.com/office/drawing/2014/main" id="{7E5FB7CF-0370-4DBB-A8A6-0FF39D8BD062}"/>
+              </a:ext>
+            </a:extLst>
+          </p:cNvPr>
+          <p:cNvSpPr>
+            <a:spLocks noGrp="1"/>
+          </p:cNvSpPr>
+          <p:nvPr>
+            <p:ph type="title"/>
+          </p:nvPr>
+        </p:nvSpPr>
+        <p:spPr>
+          <a:xfrm>
+            <a:off x="838200" y="365125"/>
+            <a:ext cx="10515600" cy="1325563"/>
+          </a:xfrm>
+        </p:spPr>
+        <p:txBody>
+          <a:bodyPr/>
+          <a:lstStyle/>
+          <a:p>
+            <a:r>
+              <a:rPr lang="it-IT" dirty="0"/>
+              <a:t>EVENTI</a:t>
+            </a:r>
+          </a:p>
+        </p:txBody>
+      </p:sp>
+      <p:pic>
+        <p:nvPicPr>
+          <p:cNvPr id="1026" name="Picture 2">
+            <a:extLst>
+              <a:ext uri="{FF2B5EF4-FFF2-40B4-BE49-F238E27FC236}">
+                <a16:creationId xmlns:a16="http://schemas.microsoft.com/office/drawing/2014/main" id="{F829CA3D-743B-41F8-8CE5-58C993509FB9}"/>
+              </a:ext>
+            </a:extLst>
+          </p:cNvPr>
+          <p:cNvPicPr>
+            <a:picLocks noGrp="1" noChangeAspect="1" noChangeArrowheads="1"/>
+          </p:cNvPicPr>
+          <p:nvPr>
+            <p:ph idx="1"/>
+          </p:nvPr>
+        </p:nvPicPr>
+        <p:blipFill>
+          <a:blip r:embed="rId2">
+            <a:extLst>
+              <a:ext uri="{28A0092B-C50C-407E-A947-70E740481C1C}">
+                <a14:useLocalDpi xmlns:a14="http://schemas.microsoft.com/office/drawing/2010/main" val="0"/>
+              </a:ext>
+            </a:extLst>
+          </a:blip>
+          <a:srcRect/>
+          <a:stretch>
+            <a:fillRect/>
+          </a:stretch>
+        </p:blipFill>
+        <p:spPr bwMode="auto">
+          <a:xfrm>
+            <a:off x="1225750" y="3020602"/>
+            <a:ext cx="9987080" cy="1981932"/>
+          </a:xfrm>
+          <a:prstGeom prst="rect">
+            <a:avLst/>
+          </a:prstGeom>
+          <a:noFill/>
+          <a:extLst>
+            <a:ext uri="{909E8E84-426E-40DD-AFC4-6F175D3DCCD1}">
+              <a14:hiddenFill xmlns:a14="http://schemas.microsoft.com/office/drawing/2010/main">
+                <a:solidFill>
+                  <a:srgbClr val="FFFFFF"/>
+                </a:solidFill>
+              </a14:hiddenFill>
+            </a:ext>
+          </a:extLst>
+        </p:spPr>
+      </p:pic>
+    </p:spTree>
+    <p:extLst>
+      <p:ext uri="{BB962C8B-B14F-4D97-AF65-F5344CB8AC3E}">
+        <p14:creationId xmlns:p14="http://schemas.microsoft.com/office/powerpoint/2010/main" val="2775535805"/>
+      </p:ext>
+    </p:extLst>
+  </p:cSld>
+  <p:clrMapOvr>
+    <a:masterClrMapping/>
+  </p:clrMapOvr>
+</p:sld>
+</file>
+
 <file path=ppt/slides/slide2.xml><?xml version="1.0" encoding="utf-8"?>
 <p:sld xmlns:a="http://schemas.openxmlformats.org/drawingml/2006/main" xmlns:r="http://schemas.openxmlformats.org/officeDocument/2006/relationships" xmlns:p="http://schemas.openxmlformats.org/presentationml/2006/main">
   <p:cSld>
@@ -16239,7 +16411,7 @@
             </a:r>
           </a:p>
           <a:p>
-            <a:pPr marL="0" indent="0">
+            <a:pPr marL="0" indent="0" algn="ctr">
               <a:buNone/>
             </a:pPr>
             <a:endParaRPr lang="it-IT" sz="2400" dirty="0">
@@ -16249,20 +16421,23 @@
             </a:endParaRPr>
           </a:p>
           <a:p>
-            <a:pPr marL="0" indent="0">
+            <a:pPr marL="0" indent="0" algn="ctr">
               <a:buNone/>
             </a:pPr>
             <a:r>
               <a:rPr lang="it-IT" sz="2400" dirty="0">
                 <a:solidFill>
-                  <a:srgbClr val="000000"/>
+                  <a:schemeClr val="accent1">
+                    <a:lumMod val="60000"/>
+                    <a:lumOff val="40000"/>
+                  </a:schemeClr>
                 </a:solidFill>
               </a:rPr>
               <a:t>CODENAME: AVALON</a:t>
             </a:r>
           </a:p>
           <a:p>
-            <a:pPr marL="0" indent="0">
+            <a:pPr marL="0" indent="0" algn="ctr">
               <a:buNone/>
             </a:pPr>
             <a:endParaRPr lang="it-IT" sz="2400" dirty="0">

--- a/wpf-tutorial.pptx
+++ b/wpf-tutorial.pptx
@@ -4846,7 +4846,7 @@
 <dgm:dataModel xmlns:dgm="http://schemas.openxmlformats.org/drawingml/2006/diagram" xmlns:a="http://schemas.openxmlformats.org/drawingml/2006/main">
   <dgm:ptLst>
     <dgm:pt modelId="{E463176D-CBE1-493F-9A39-BFC0D06EAC6A}" type="doc">
-      <dgm:prSet loTypeId="urn:microsoft.com/office/officeart/2005/8/layout/default" loCatId="list" qsTypeId="urn:microsoft.com/office/officeart/2005/8/quickstyle/simple1" qsCatId="simple" csTypeId="urn:microsoft.com/office/officeart/2005/8/colors/colorful1" csCatId="colorful"/>
+      <dgm:prSet loTypeId="urn:microsoft.com/office/officeart/2005/8/layout/default" loCatId="list" qsTypeId="urn:microsoft.com/office/officeart/2005/8/quickstyle/simple1" qsCatId="simple" csTypeId="urn:microsoft.com/office/officeart/2005/8/colors/colorful1" csCatId="colorful" phldr="1"/>
       <dgm:spPr/>
       <dgm:t>
         <a:bodyPr/>
@@ -4938,10 +4938,18 @@
         <a:lstStyle/>
         <a:p>
           <a:r>
-            <a:rPr lang="it-IT"/>
-            <a:t>Dependency property</a:t>
+            <a:rPr lang="it-IT" dirty="0" err="1"/>
+            <a:t>Dependency</a:t>
           </a:r>
-          <a:endParaRPr lang="en-US"/>
+          <a:r>
+            <a:rPr lang="it-IT" dirty="0"/>
+            <a:t> </a:t>
+          </a:r>
+          <a:r>
+            <a:rPr lang="it-IT" dirty="0" err="1"/>
+            <a:t>Property</a:t>
+          </a:r>
+          <a:endParaRPr lang="en-US" dirty="0"/>
         </a:p>
       </dgm:t>
     </dgm:pt>
@@ -4975,10 +4983,10 @@
         <a:lstStyle/>
         <a:p>
           <a:r>
-            <a:rPr lang="it-IT"/>
-            <a:t>InotifyPropertyChanged</a:t>
+            <a:rPr lang="it-IT" dirty="0" err="1"/>
+            <a:t>INotifyPropertyChanged</a:t>
           </a:r>
-          <a:endParaRPr lang="en-US"/>
+          <a:endParaRPr lang="en-US" dirty="0"/>
         </a:p>
       </dgm:t>
     </dgm:pt>
@@ -5012,10 +5020,14 @@
         <a:lstStyle/>
         <a:p>
           <a:r>
-            <a:rPr lang="it-IT"/>
-            <a:t>Attached property</a:t>
+            <a:rPr lang="it-IT" dirty="0"/>
+            <a:t>Attached </a:t>
           </a:r>
-          <a:endParaRPr lang="en-US"/>
+          <a:r>
+            <a:rPr lang="it-IT" dirty="0" err="1"/>
+            <a:t>Property</a:t>
+          </a:r>
+          <a:endParaRPr lang="en-US" dirty="0"/>
         </a:p>
       </dgm:t>
     </dgm:pt>
@@ -7828,10 +7840,18 @@
             <a:buNone/>
           </a:pPr>
           <a:r>
-            <a:rPr lang="it-IT" sz="1600" kern="1200"/>
-            <a:t>Dependency property</a:t>
+            <a:rPr lang="it-IT" sz="1600" kern="1200" dirty="0" err="1"/>
+            <a:t>Dependency</a:t>
           </a:r>
-          <a:endParaRPr lang="en-US" sz="1600" kern="1200"/>
+          <a:r>
+            <a:rPr lang="it-IT" sz="1600" kern="1200" dirty="0"/>
+            <a:t> </a:t>
+          </a:r>
+          <a:r>
+            <a:rPr lang="it-IT" sz="1600" kern="1200" dirty="0" err="1"/>
+            <a:t>Property</a:t>
+          </a:r>
+          <a:endParaRPr lang="en-US" sz="1600" kern="1200" dirty="0"/>
         </a:p>
       </dsp:txBody>
       <dsp:txXfrm>
@@ -7907,10 +7927,10 @@
             <a:buNone/>
           </a:pPr>
           <a:r>
-            <a:rPr lang="it-IT" sz="1600" kern="1200"/>
-            <a:t>InotifyPropertyChanged</a:t>
+            <a:rPr lang="it-IT" sz="1600" kern="1200" dirty="0" err="1"/>
+            <a:t>INotifyPropertyChanged</a:t>
           </a:r>
-          <a:endParaRPr lang="en-US" sz="1600" kern="1200"/>
+          <a:endParaRPr lang="en-US" sz="1600" kern="1200" dirty="0"/>
         </a:p>
       </dsp:txBody>
       <dsp:txXfrm>
@@ -7986,10 +8006,14 @@
             <a:buNone/>
           </a:pPr>
           <a:r>
-            <a:rPr lang="it-IT" sz="1600" kern="1200"/>
-            <a:t>Attached property</a:t>
+            <a:rPr lang="it-IT" sz="1600" kern="1200" dirty="0"/>
+            <a:t>Attached </a:t>
           </a:r>
-          <a:endParaRPr lang="en-US" sz="1600" kern="1200"/>
+          <a:r>
+            <a:rPr lang="it-IT" sz="1600" kern="1200" dirty="0" err="1"/>
+            <a:t>Property</a:t>
+          </a:r>
+          <a:endParaRPr lang="en-US" sz="1600" kern="1200" dirty="0"/>
         </a:p>
       </dsp:txBody>
       <dsp:txXfrm>
@@ -15996,7 +16020,7 @@
           <a:p>
             <a:fld id="{07C5B3E4-33EA-4D91-AB06-4048D8D6355D}" type="datetimeFigureOut">
               <a:rPr lang="it-IT" smtClean="0"/>
-              <a:t>10/11/2019</a:t>
+              <a:t>15/11/2019</a:t>
             </a:fld>
             <a:endParaRPr lang="it-IT"/>
           </a:p>
@@ -16578,7 +16602,7 @@
           <a:p>
             <a:fld id="{3F9DB38F-659F-4877-A4D7-38174140D157}" type="datetimeFigureOut">
               <a:rPr lang="it-IT" smtClean="0"/>
-              <a:t>10/11/2019</a:t>
+              <a:t>15/11/2019</a:t>
             </a:fld>
             <a:endParaRPr lang="it-IT"/>
           </a:p>
@@ -16776,7 +16800,7 @@
           <a:p>
             <a:fld id="{3F9DB38F-659F-4877-A4D7-38174140D157}" type="datetimeFigureOut">
               <a:rPr lang="it-IT" smtClean="0"/>
-              <a:t>10/11/2019</a:t>
+              <a:t>15/11/2019</a:t>
             </a:fld>
             <a:endParaRPr lang="it-IT"/>
           </a:p>
@@ -16984,7 +17008,7 @@
           <a:p>
             <a:fld id="{3F9DB38F-659F-4877-A4D7-38174140D157}" type="datetimeFigureOut">
               <a:rPr lang="it-IT" smtClean="0"/>
-              <a:t>10/11/2019</a:t>
+              <a:t>15/11/2019</a:t>
             </a:fld>
             <a:endParaRPr lang="it-IT"/>
           </a:p>
@@ -17182,7 +17206,7 @@
           <a:p>
             <a:fld id="{3F9DB38F-659F-4877-A4D7-38174140D157}" type="datetimeFigureOut">
               <a:rPr lang="it-IT" smtClean="0"/>
-              <a:t>10/11/2019</a:t>
+              <a:t>15/11/2019</a:t>
             </a:fld>
             <a:endParaRPr lang="it-IT"/>
           </a:p>
@@ -17457,7 +17481,7 @@
           <a:p>
             <a:fld id="{3F9DB38F-659F-4877-A4D7-38174140D157}" type="datetimeFigureOut">
               <a:rPr lang="it-IT" smtClean="0"/>
-              <a:t>10/11/2019</a:t>
+              <a:t>15/11/2019</a:t>
             </a:fld>
             <a:endParaRPr lang="it-IT"/>
           </a:p>
@@ -17722,7 +17746,7 @@
           <a:p>
             <a:fld id="{3F9DB38F-659F-4877-A4D7-38174140D157}" type="datetimeFigureOut">
               <a:rPr lang="it-IT" smtClean="0"/>
-              <a:t>10/11/2019</a:t>
+              <a:t>15/11/2019</a:t>
             </a:fld>
             <a:endParaRPr lang="it-IT"/>
           </a:p>
@@ -18134,7 +18158,7 @@
           <a:p>
             <a:fld id="{3F9DB38F-659F-4877-A4D7-38174140D157}" type="datetimeFigureOut">
               <a:rPr lang="it-IT" smtClean="0"/>
-              <a:t>10/11/2019</a:t>
+              <a:t>15/11/2019</a:t>
             </a:fld>
             <a:endParaRPr lang="it-IT"/>
           </a:p>
@@ -18275,7 +18299,7 @@
           <a:p>
             <a:fld id="{3F9DB38F-659F-4877-A4D7-38174140D157}" type="datetimeFigureOut">
               <a:rPr lang="it-IT" smtClean="0"/>
-              <a:t>10/11/2019</a:t>
+              <a:t>15/11/2019</a:t>
             </a:fld>
             <a:endParaRPr lang="it-IT"/>
           </a:p>
@@ -18388,7 +18412,7 @@
           <a:p>
             <a:fld id="{3F9DB38F-659F-4877-A4D7-38174140D157}" type="datetimeFigureOut">
               <a:rPr lang="it-IT" smtClean="0"/>
-              <a:t>10/11/2019</a:t>
+              <a:t>15/11/2019</a:t>
             </a:fld>
             <a:endParaRPr lang="it-IT"/>
           </a:p>
@@ -18699,7 +18723,7 @@
           <a:p>
             <a:fld id="{3F9DB38F-659F-4877-A4D7-38174140D157}" type="datetimeFigureOut">
               <a:rPr lang="it-IT" smtClean="0"/>
-              <a:t>10/11/2019</a:t>
+              <a:t>15/11/2019</a:t>
             </a:fld>
             <a:endParaRPr lang="it-IT"/>
           </a:p>
@@ -18987,7 +19011,7 @@
           <a:p>
             <a:fld id="{3F9DB38F-659F-4877-A4D7-38174140D157}" type="datetimeFigureOut">
               <a:rPr lang="it-IT" smtClean="0"/>
-              <a:t>10/11/2019</a:t>
+              <a:t>15/11/2019</a:t>
             </a:fld>
             <a:endParaRPr lang="it-IT"/>
           </a:p>
@@ -19228,7 +19252,7 @@
           <a:p>
             <a:fld id="{3F9DB38F-659F-4877-A4D7-38174140D157}" type="datetimeFigureOut">
               <a:rPr lang="it-IT" smtClean="0"/>
-              <a:t>10/11/2019</a:t>
+              <a:t>15/11/2019</a:t>
             </a:fld>
             <a:endParaRPr lang="it-IT"/>
           </a:p>
@@ -22137,13 +22161,13 @@
   <p:clrMapOvr>
     <a:masterClrMapping/>
   </p:clrMapOvr>
-  <mc:AlternateContent xmlns:mc="http://schemas.openxmlformats.org/markup-compatibility/2006">
-    <mc:Choice xmlns:p15="http://schemas.microsoft.com/office/powerpoint/2012/main" Requires="p15">
+  <mc:AlternateContent xmlns:mc="http://schemas.openxmlformats.org/markup-compatibility/2006" xmlns:p15="http://schemas.microsoft.com/office/powerpoint/2012/main">
+    <mc:Choice Requires="p15">
       <p:transition xmlns:p14="http://schemas.microsoft.com/office/powerpoint/2010/main" spd="slow" p14:dur="2000">
         <p15:prstTrans prst="crush"/>
       </p:transition>
     </mc:Choice>
-    <mc:Fallback>
+    <mc:Fallback xmlns="">
       <p:transition spd="slow">
         <p:fade/>
       </p:transition>
@@ -26825,13 +26849,13 @@
   <p:clrMapOvr>
     <a:masterClrMapping/>
   </p:clrMapOvr>
-  <mc:AlternateContent xmlns:mc="http://schemas.openxmlformats.org/markup-compatibility/2006">
-    <mc:Choice xmlns:p15="http://schemas.microsoft.com/office/powerpoint/2012/main" Requires="p15">
+  <mc:AlternateContent xmlns:mc="http://schemas.openxmlformats.org/markup-compatibility/2006" xmlns:p15="http://schemas.microsoft.com/office/powerpoint/2012/main">
+    <mc:Choice Requires="p15">
       <p:transition xmlns:p14="http://schemas.microsoft.com/office/powerpoint/2010/main" spd="slow" p14:dur="3250">
         <p15:prstTrans prst="origami"/>
       </p:transition>
     </mc:Choice>
-    <mc:Fallback>
+    <mc:Fallback xmlns="">
       <p:transition spd="slow">
         <p:fade/>
       </p:transition>
@@ -27933,13 +27957,13 @@
   <p:clrMapOvr>
     <a:masterClrMapping/>
   </p:clrMapOvr>
-  <mc:AlternateContent xmlns:mc="http://schemas.openxmlformats.org/markup-compatibility/2006">
-    <mc:Choice xmlns:p15="http://schemas.microsoft.com/office/powerpoint/2012/main" Requires="p15">
+  <mc:AlternateContent xmlns:mc="http://schemas.openxmlformats.org/markup-compatibility/2006" xmlns:p15="http://schemas.microsoft.com/office/powerpoint/2012/main">
+    <mc:Choice Requires="p15">
       <p:transition xmlns:p14="http://schemas.microsoft.com/office/powerpoint/2010/main" spd="slow" p14:dur="2000">
         <p15:prstTrans prst="crush"/>
       </p:transition>
     </mc:Choice>
-    <mc:Fallback>
+    <mc:Fallback xmlns="">
       <p:transition spd="slow">
         <p:fade/>
       </p:transition>
@@ -28940,13 +28964,13 @@
   <p:clrMapOvr>
     <a:masterClrMapping/>
   </p:clrMapOvr>
-  <mc:AlternateContent xmlns:mc="http://schemas.openxmlformats.org/markup-compatibility/2006">
-    <mc:Choice xmlns:p15="http://schemas.microsoft.com/office/powerpoint/2012/main" Requires="p15">
+  <mc:AlternateContent xmlns:mc="http://schemas.openxmlformats.org/markup-compatibility/2006" xmlns:p15="http://schemas.microsoft.com/office/powerpoint/2012/main">
+    <mc:Choice Requires="p15">
       <p:transition xmlns:p14="http://schemas.microsoft.com/office/powerpoint/2010/main" spd="slow" p14:dur="2000">
         <p15:prstTrans prst="crush"/>
       </p:transition>
     </mc:Choice>
-    <mc:Fallback>
+    <mc:Fallback xmlns="">
       <p:transition spd="slow">
         <p:fade/>
       </p:transition>
@@ -29705,7 +29729,7 @@
             <p:ph idx="1"/>
             <p:extLst>
               <p:ext uri="{D42A27DB-BD31-4B8C-83A1-F6EECF244321}">
-                <p14:modId xmlns:p14="http://schemas.microsoft.com/office/powerpoint/2010/main" val="1817124092"/>
+                <p14:modId xmlns:p14="http://schemas.microsoft.com/office/powerpoint/2010/main" val="50390202"/>
               </p:ext>
             </p:extLst>
           </p:nvPr>
